--- a/djlee/cSharp/프로젝트참고자료/3조오라클/3조(최종).pptx
+++ b/djlee/cSharp/프로젝트참고자료/3조오라클/3조(최종).pptx
@@ -13336,7 +13336,7 @@
         <p:spPr>
           <a:xfrm>
             <a:off x="5609200" y="5123500"/>
-            <a:ext cx="5261400" cy="461700"/>
+            <a:ext cx="5261400" cy="1093208"/>
           </a:xfrm>
           <a:prstGeom prst="rect">
             <a:avLst/>
@@ -13364,19 +13364,7 @@
               </a:spcAft>
               <a:buNone/>
             </a:pPr>
-            <a:r>
-              <a:rPr lang="en-US" sz="2400" b="0" i="0" u="none" strike="noStrike" cap="none">
-                <a:solidFill>
-                  <a:srgbClr val="3F3F3F"/>
-                </a:solidFill>
-                <a:latin typeface="Arial"/>
-                <a:ea typeface="Arial"/>
-                <a:cs typeface="Arial"/>
-                <a:sym typeface="Arial"/>
-              </a:rPr>
-              <a:t>3조_ 이준헌, 신명근, 이재혁, 이경민  </a:t>
-            </a:r>
-            <a:endParaRPr sz="2400" b="0" i="0" u="none" strike="noStrike" cap="none">
+            <a:endParaRPr sz="2400" b="0" i="0" u="none" strike="noStrike" cap="none" dirty="0">
               <a:solidFill>
                 <a:srgbClr val="3F3F3F"/>
               </a:solidFill>
